--- a/SOLUX - 깃 기초 과제.pptx
+++ b/SOLUX - 깃 기초 과제.pptx
@@ -112,6 +112,43 @@
 </p:presentation>
 </file>
 
+<file path=ppt/changesInfos/changesInfo1.xml><?xml version="1.0" encoding="utf-8"?>
+<pc:chgInfo xmlns:a="http://schemas.openxmlformats.org/drawingml/2006/main" xmlns:r="http://schemas.openxmlformats.org/officeDocument/2006/relationships" xmlns:ac="http://schemas.microsoft.com/office/drawing/2013/main/command" xmlns:pc="http://schemas.microsoft.com/office/powerpoint/2013/main/command">
+  <pc:docChgLst>
+    <pc:chgData name="윤서진" userId="c0718316-efa4-4509-8a1b-d3ea8dd045b3" providerId="ADAL" clId="{55FC3AFB-E9D5-49BD-8158-E3CD7A8613A0}"/>
+    <pc:docChg chg="modSld">
+      <pc:chgData name="윤서진" userId="c0718316-efa4-4509-8a1b-d3ea8dd045b3" providerId="ADAL" clId="{55FC3AFB-E9D5-49BD-8158-E3CD7A8613A0}" dt="2024-04-29T13:46:57.728" v="57" actId="14100"/>
+      <pc:docMkLst>
+        <pc:docMk/>
+      </pc:docMkLst>
+      <pc:sldChg chg="modSp mod">
+        <pc:chgData name="윤서진" userId="c0718316-efa4-4509-8a1b-d3ea8dd045b3" providerId="ADAL" clId="{55FC3AFB-E9D5-49BD-8158-E3CD7A8613A0}" dt="2024-04-29T13:46:57.728" v="57" actId="14100"/>
+        <pc:sldMkLst>
+          <pc:docMk/>
+          <pc:sldMk cId="3373825" sldId="256"/>
+        </pc:sldMkLst>
+        <pc:spChg chg="mod">
+          <ac:chgData name="윤서진" userId="c0718316-efa4-4509-8a1b-d3ea8dd045b3" providerId="ADAL" clId="{55FC3AFB-E9D5-49BD-8158-E3CD7A8613A0}" dt="2024-04-29T13:46:40.792" v="22" actId="20577"/>
+          <ac:spMkLst>
+            <pc:docMk/>
+            <pc:sldMk cId="3373825" sldId="256"/>
+            <ac:spMk id="2" creationId="{C09577F7-6D0E-8A62-DD07-06A7629F5F4B}"/>
+          </ac:spMkLst>
+        </pc:spChg>
+        <pc:spChg chg="mod">
+          <ac:chgData name="윤서진" userId="c0718316-efa4-4509-8a1b-d3ea8dd045b3" providerId="ADAL" clId="{55FC3AFB-E9D5-49BD-8158-E3CD7A8613A0}" dt="2024-04-29T13:46:57.728" v="57" actId="14100"/>
+          <ac:spMkLst>
+            <pc:docMk/>
+            <pc:sldMk cId="3373825" sldId="256"/>
+            <ac:spMk id="3" creationId="{D02959B3-EF0E-63AA-8139-9EAC4484DBB1}"/>
+          </ac:spMkLst>
+        </pc:spChg>
+      </pc:sldChg>
+    </pc:docChg>
+  </pc:docChgLst>
+</pc:chgInfo>
+</file>
+
 <file path=ppt/slideLayouts/slideLayout1.xml><?xml version="1.0" encoding="utf-8"?>
 <p:sldLayout xmlns:a="http://schemas.openxmlformats.org/drawingml/2006/main" xmlns:r="http://schemas.openxmlformats.org/officeDocument/2006/relationships" xmlns:p="http://schemas.openxmlformats.org/presentationml/2006/main" type="title" preserve="1">
   <p:cSld name="Title Slide">
@@ -263,7 +300,7 @@
           <a:p>
             <a:fld id="{4CDE23C7-78A4-413A-A84B-93D4CC0A9EB1}" type="datetimeFigureOut">
               <a:rPr lang="en-US" smtClean="0"/>
-              <a:t>3/24/2024</a:t>
+              <a:t>4/29/2024</a:t>
             </a:fld>
             <a:endParaRPr lang="en-US"/>
           </a:p>
@@ -466,7 +503,7 @@
           <a:p>
             <a:fld id="{4CDE23C7-78A4-413A-A84B-93D4CC0A9EB1}" type="datetimeFigureOut">
               <a:rPr lang="en-US" smtClean="0"/>
-              <a:t>3/24/2024</a:t>
+              <a:t>4/29/2024</a:t>
             </a:fld>
             <a:endParaRPr lang="en-US"/>
           </a:p>
@@ -674,7 +711,7 @@
           <a:p>
             <a:fld id="{4CDE23C7-78A4-413A-A84B-93D4CC0A9EB1}" type="datetimeFigureOut">
               <a:rPr lang="en-US" smtClean="0"/>
-              <a:t>3/24/2024</a:t>
+              <a:t>4/29/2024</a:t>
             </a:fld>
             <a:endParaRPr lang="en-US"/>
           </a:p>
@@ -872,7 +909,7 @@
           <a:p>
             <a:fld id="{4CDE23C7-78A4-413A-A84B-93D4CC0A9EB1}" type="datetimeFigureOut">
               <a:rPr lang="en-US" smtClean="0"/>
-              <a:t>3/24/2024</a:t>
+              <a:t>4/29/2024</a:t>
             </a:fld>
             <a:endParaRPr lang="en-US"/>
           </a:p>
@@ -1149,7 +1186,7 @@
           <a:p>
             <a:fld id="{4CDE23C7-78A4-413A-A84B-93D4CC0A9EB1}" type="datetimeFigureOut">
               <a:rPr lang="en-US" smtClean="0"/>
-              <a:t>3/24/2024</a:t>
+              <a:t>4/29/2024</a:t>
             </a:fld>
             <a:endParaRPr lang="en-US"/>
           </a:p>
@@ -1414,7 +1451,7 @@
           <a:p>
             <a:fld id="{4CDE23C7-78A4-413A-A84B-93D4CC0A9EB1}" type="datetimeFigureOut">
               <a:rPr lang="en-US" smtClean="0"/>
-              <a:t>3/24/2024</a:t>
+              <a:t>4/29/2024</a:t>
             </a:fld>
             <a:endParaRPr lang="en-US"/>
           </a:p>
@@ -1830,7 +1867,7 @@
           <a:p>
             <a:fld id="{4CDE23C7-78A4-413A-A84B-93D4CC0A9EB1}" type="datetimeFigureOut">
               <a:rPr lang="en-US" smtClean="0"/>
-              <a:t>3/24/2024</a:t>
+              <a:t>4/29/2024</a:t>
             </a:fld>
             <a:endParaRPr lang="en-US"/>
           </a:p>
@@ -1971,7 +2008,7 @@
           <a:p>
             <a:fld id="{4CDE23C7-78A4-413A-A84B-93D4CC0A9EB1}" type="datetimeFigureOut">
               <a:rPr lang="en-US" smtClean="0"/>
-              <a:t>3/24/2024</a:t>
+              <a:t>4/29/2024</a:t>
             </a:fld>
             <a:endParaRPr lang="en-US"/>
           </a:p>
@@ -2084,7 +2121,7 @@
           <a:p>
             <a:fld id="{4CDE23C7-78A4-413A-A84B-93D4CC0A9EB1}" type="datetimeFigureOut">
               <a:rPr lang="en-US" smtClean="0"/>
-              <a:t>3/24/2024</a:t>
+              <a:t>4/29/2024</a:t>
             </a:fld>
             <a:endParaRPr lang="en-US"/>
           </a:p>
@@ -2395,7 +2432,7 @@
           <a:p>
             <a:fld id="{4CDE23C7-78A4-413A-A84B-93D4CC0A9EB1}" type="datetimeFigureOut">
               <a:rPr lang="en-US" smtClean="0"/>
-              <a:t>3/24/2024</a:t>
+              <a:t>4/29/2024</a:t>
             </a:fld>
             <a:endParaRPr lang="en-US"/>
           </a:p>
@@ -2683,7 +2720,7 @@
           <a:p>
             <a:fld id="{4CDE23C7-78A4-413A-A84B-93D4CC0A9EB1}" type="datetimeFigureOut">
               <a:rPr lang="en-US" smtClean="0"/>
-              <a:t>3/24/2024</a:t>
+              <a:t>4/29/2024</a:t>
             </a:fld>
             <a:endParaRPr lang="en-US"/>
           </a:p>
@@ -2923,7 +2960,7 @@
             <a:fld id="{4CDE23C7-78A4-413A-A84B-93D4CC0A9EB1}" type="datetimeFigureOut">
               <a:rPr lang="en-US" smtClean="0"/>
               <a:pPr/>
-              <a:t>3/24/2024</a:t>
+              <a:t>4/29/2024</a:t>
             </a:fld>
             <a:endParaRPr lang="en-US" dirty="0"/>
           </a:p>
@@ -3725,7 +3762,7 @@
                 <a:latin typeface="한컴 말랑말랑 Bold" panose="020F0803000000000000" pitchFamily="50" charset="-127"/>
                 <a:ea typeface="한컴 말랑말랑 Bold" panose="020F0803000000000000" pitchFamily="50" charset="-127"/>
               </a:rPr>
-              <a:t>1. --------</a:t>
+              <a:t>1. git stash</a:t>
             </a:r>
             <a:br>
               <a:rPr lang="en-US" altLang="ko-KR" dirty="0">
@@ -3753,7 +3790,7 @@
                 <a:latin typeface="한컴 말랑말랑 Bold" panose="020F0803000000000000" pitchFamily="50" charset="-127"/>
                 <a:ea typeface="한컴 말랑말랑 Bold" panose="020F0803000000000000" pitchFamily="50" charset="-127"/>
               </a:rPr>
-              <a:t>2. --------</a:t>
+              <a:t>2. git diff</a:t>
             </a:r>
             <a:endParaRPr lang="ko-KR" altLang="en-US" dirty="0">
               <a:solidFill>
@@ -3784,7 +3821,7 @@
         <p:spPr>
           <a:xfrm>
             <a:off x="567186" y="4846083"/>
-            <a:ext cx="5024722" cy="1211818"/>
+            <a:ext cx="7609148" cy="1211818"/>
           </a:xfrm>
         </p:spPr>
         <p:txBody>
@@ -3801,7 +3838,27 @@
                 <a:latin typeface="한컴 말랑말랑 Bold" panose="020F0803000000000000" pitchFamily="50" charset="-127"/>
                 <a:ea typeface="한컴 말랑말랑 Bold" panose="020F0803000000000000" pitchFamily="50" charset="-127"/>
               </a:rPr>
-              <a:t>학부 </a:t>
+              <a:t>소프트웨어학부 </a:t>
+            </a:r>
+            <a:r>
+              <a:rPr lang="en-US" altLang="ko-KR" sz="3200" dirty="0">
+                <a:solidFill>
+                  <a:srgbClr val="FFFFFF"/>
+                </a:solidFill>
+                <a:latin typeface="한컴 말랑말랑 Bold" panose="020F0803000000000000" pitchFamily="50" charset="-127"/>
+                <a:ea typeface="한컴 말랑말랑 Bold" panose="020F0803000000000000" pitchFamily="50" charset="-127"/>
+              </a:rPr>
+              <a:t>/ 1916676</a:t>
+            </a:r>
+            <a:r>
+              <a:rPr lang="ko-KR" altLang="en-US" sz="3200" dirty="0">
+                <a:solidFill>
+                  <a:srgbClr val="FFFFFF"/>
+                </a:solidFill>
+                <a:latin typeface="한컴 말랑말랑 Bold" panose="020F0803000000000000" pitchFamily="50" charset="-127"/>
+                <a:ea typeface="한컴 말랑말랑 Bold" panose="020F0803000000000000" pitchFamily="50" charset="-127"/>
+              </a:rPr>
+              <a:t> </a:t>
             </a:r>
             <a:r>
               <a:rPr lang="en-US" altLang="ko-KR" sz="3200" dirty="0">
@@ -3821,27 +3878,7 @@
                 <a:latin typeface="한컴 말랑말랑 Bold" panose="020F0803000000000000" pitchFamily="50" charset="-127"/>
                 <a:ea typeface="한컴 말랑말랑 Bold" panose="020F0803000000000000" pitchFamily="50" charset="-127"/>
               </a:rPr>
-              <a:t>학번 </a:t>
-            </a:r>
-            <a:r>
-              <a:rPr lang="en-US" altLang="ko-KR" sz="3200" dirty="0">
-                <a:solidFill>
-                  <a:srgbClr val="FFFFFF"/>
-                </a:solidFill>
-                <a:latin typeface="한컴 말랑말랑 Bold" panose="020F0803000000000000" pitchFamily="50" charset="-127"/>
-                <a:ea typeface="한컴 말랑말랑 Bold" panose="020F0803000000000000" pitchFamily="50" charset="-127"/>
-              </a:rPr>
-              <a:t>/ </a:t>
-            </a:r>
-            <a:r>
-              <a:rPr lang="ko-KR" altLang="en-US" sz="3200" dirty="0">
-                <a:solidFill>
-                  <a:srgbClr val="FFFFFF"/>
-                </a:solidFill>
-                <a:latin typeface="한컴 말랑말랑 Bold" panose="020F0803000000000000" pitchFamily="50" charset="-127"/>
-                <a:ea typeface="한컴 말랑말랑 Bold" panose="020F0803000000000000" pitchFamily="50" charset="-127"/>
-              </a:rPr>
-              <a:t>이름</a:t>
+              <a:t>윤서진</a:t>
             </a:r>
           </a:p>
         </p:txBody>
@@ -4171,15 +4208,6 @@
 </file>
 
 <file path=customXml/item2.xml><?xml version="1.0" encoding="utf-8"?>
-<?mso-contentType ?>
-<FormTemplates xmlns="http://schemas.microsoft.com/sharepoint/v3/contenttype/forms">
-  <Display>DocumentLibraryForm</Display>
-  <Edit>DocumentLibraryForm</Edit>
-  <New>DocumentLibraryForm</New>
-</FormTemplates>
-</file>
-
-<file path=customXml/item3.xml><?xml version="1.0" encoding="utf-8"?>
 <ct:contentTypeSchema xmlns:ct="http://schemas.microsoft.com/office/2006/metadata/contentType" xmlns:ma="http://schemas.microsoft.com/office/2006/metadata/properties/metaAttributes" ct:_="" ma:_="" ma:contentTypeName="문서" ma:contentTypeID="0x0101001D100452559EB044BE388605CB74258D" ma:contentTypeVersion="3" ma:contentTypeDescription="새 문서를 만듭니다." ma:contentTypeScope="" ma:versionID="cece4e6235a4db8d39d8d638fea72851">
   <xsd:schema xmlns:xsd="http://www.w3.org/2001/XMLSchema" xmlns:xs="http://www.w3.org/2001/XMLSchema" xmlns:p="http://schemas.microsoft.com/office/2006/metadata/properties" xmlns:ns3="98b0916f-e4a7-4c55-83b1-875d2b78f67f" targetNamespace="http://schemas.microsoft.com/office/2006/metadata/properties" ma:root="true" ma:fieldsID="6378c330591d7126ae0349359d00147e" ns3:_="">
     <xsd:import namespace="98b0916f-e4a7-4c55-83b1-875d2b78f67f"/>
@@ -4317,6 +4345,15 @@
 </ct:contentTypeSchema>
 </file>
 
+<file path=customXml/item3.xml><?xml version="1.0" encoding="utf-8"?>
+<?mso-contentType ?>
+<FormTemplates xmlns="http://schemas.microsoft.com/sharepoint/v3/contenttype/forms">
+  <Display>DocumentLibraryForm</Display>
+  <Edit>DocumentLibraryForm</Edit>
+  <New>DocumentLibraryForm</New>
+</FormTemplates>
+</file>
+
 <file path=customXml/itemProps1.xml><?xml version="1.0" encoding="utf-8"?>
 <ds:datastoreItem xmlns:ds="http://schemas.openxmlformats.org/officeDocument/2006/customXml" ds:itemID="{04E61994-E40D-4A68-9927-853208928391}">
   <ds:schemaRefs>
@@ -4334,14 +4371,6 @@
 </file>
 
 <file path=customXml/itemProps2.xml><?xml version="1.0" encoding="utf-8"?>
-<ds:datastoreItem xmlns:ds="http://schemas.openxmlformats.org/officeDocument/2006/customXml" ds:itemID="{B83A4207-492F-492F-AC12-D6CB0949B3B3}">
-  <ds:schemaRefs>
-    <ds:schemaRef ds:uri="http://schemas.microsoft.com/sharepoint/v3/contenttype/forms"/>
-  </ds:schemaRefs>
-</ds:datastoreItem>
-</file>
-
-<file path=customXml/itemProps3.xml><?xml version="1.0" encoding="utf-8"?>
 <ds:datastoreItem xmlns:ds="http://schemas.openxmlformats.org/officeDocument/2006/customXml" ds:itemID="{9B55A3BC-FD9C-4E32-B806-11857434362A}">
   <ds:schemaRefs>
     <ds:schemaRef ds:uri="http://schemas.microsoft.com/office/2006/metadata/contentType"/>
@@ -4357,4 +4386,12 @@
     <ds:schemaRef ds:uri="http://schemas.microsoft.com/internal/obd"/>
   </ds:schemaRefs>
 </ds:datastoreItem>
+</file>
+
+<file path=customXml/itemProps3.xml><?xml version="1.0" encoding="utf-8"?>
+<ds:datastoreItem xmlns:ds="http://schemas.openxmlformats.org/officeDocument/2006/customXml" ds:itemID="{B83A4207-492F-492F-AC12-D6CB0949B3B3}">
+  <ds:schemaRefs>
+    <ds:schemaRef ds:uri="http://schemas.microsoft.com/sharepoint/v3/contenttype/forms"/>
+  </ds:schemaRefs>
+</ds:datastoreItem>
 </file>
--- a/SOLUX - 깃 기초 과제.pptx
+++ b/SOLUX - 깃 기초 과제.pptx
@@ -117,12 +117,12 @@
   <pc:docChgLst>
     <pc:chgData name="윤서진" userId="c0718316-efa4-4509-8a1b-d3ea8dd045b3" providerId="ADAL" clId="{55FC3AFB-E9D5-49BD-8158-E3CD7A8613A0}"/>
     <pc:docChg chg="modSld">
-      <pc:chgData name="윤서진" userId="c0718316-efa4-4509-8a1b-d3ea8dd045b3" providerId="ADAL" clId="{55FC3AFB-E9D5-49BD-8158-E3CD7A8613A0}" dt="2024-04-29T13:46:57.728" v="57" actId="14100"/>
+      <pc:chgData name="윤서진" userId="c0718316-efa4-4509-8a1b-d3ea8dd045b3" providerId="ADAL" clId="{55FC3AFB-E9D5-49BD-8158-E3CD7A8613A0}" dt="2024-04-29T13:51:07.540" v="83" actId="20577"/>
       <pc:docMkLst>
         <pc:docMk/>
       </pc:docMkLst>
       <pc:sldChg chg="modSp mod">
-        <pc:chgData name="윤서진" userId="c0718316-efa4-4509-8a1b-d3ea8dd045b3" providerId="ADAL" clId="{55FC3AFB-E9D5-49BD-8158-E3CD7A8613A0}" dt="2024-04-29T13:46:57.728" v="57" actId="14100"/>
+        <pc:chgData name="윤서진" userId="c0718316-efa4-4509-8a1b-d3ea8dd045b3" providerId="ADAL" clId="{55FC3AFB-E9D5-49BD-8158-E3CD7A8613A0}" dt="2024-04-29T13:51:07.540" v="83" actId="20577"/>
         <pc:sldMkLst>
           <pc:docMk/>
           <pc:sldMk cId="3373825" sldId="256"/>
@@ -136,7 +136,7 @@
           </ac:spMkLst>
         </pc:spChg>
         <pc:spChg chg="mod">
-          <ac:chgData name="윤서진" userId="c0718316-efa4-4509-8a1b-d3ea8dd045b3" providerId="ADAL" clId="{55FC3AFB-E9D5-49BD-8158-E3CD7A8613A0}" dt="2024-04-29T13:46:57.728" v="57" actId="14100"/>
+          <ac:chgData name="윤서진" userId="c0718316-efa4-4509-8a1b-d3ea8dd045b3" providerId="ADAL" clId="{55FC3AFB-E9D5-49BD-8158-E3CD7A8613A0}" dt="2024-04-29T13:51:07.540" v="83" actId="20577"/>
           <ac:spMkLst>
             <pc:docMk/>
             <pc:sldMk cId="3373825" sldId="256"/>
@@ -3831,14 +3831,14 @@
           <a:lstStyle/>
           <a:p>
             <a:r>
-              <a:rPr lang="ko-KR" altLang="en-US" sz="3200" dirty="0">
+              <a:rPr lang="ko-KR" altLang="en-US" sz="3200">
                 <a:solidFill>
                   <a:srgbClr val="FFFFFF"/>
                 </a:solidFill>
                 <a:latin typeface="한컴 말랑말랑 Bold" panose="020F0803000000000000" pitchFamily="50" charset="-127"/>
                 <a:ea typeface="한컴 말랑말랑 Bold" panose="020F0803000000000000" pitchFamily="50" charset="-127"/>
               </a:rPr>
-              <a:t>소프트웨어학부 </a:t>
+              <a:t>컴퓨터과학전공 </a:t>
             </a:r>
             <a:r>
               <a:rPr lang="en-US" altLang="ko-KR" sz="3200" dirty="0">
@@ -4202,12 +4202,6 @@
 </file>
 
 <file path=customXml/item1.xml><?xml version="1.0" encoding="utf-8"?>
-<p:properties xmlns:p="http://schemas.microsoft.com/office/2006/metadata/properties" xmlns:xsi="http://www.w3.org/2001/XMLSchema-instance" xmlns:pc="http://schemas.microsoft.com/office/infopath/2007/PartnerControls">
-  <documentManagement/>
-</p:properties>
-</file>
-
-<file path=customXml/item2.xml><?xml version="1.0" encoding="utf-8"?>
 <ct:contentTypeSchema xmlns:ct="http://schemas.microsoft.com/office/2006/metadata/contentType" xmlns:ma="http://schemas.microsoft.com/office/2006/metadata/properties/metaAttributes" ct:_="" ma:_="" ma:contentTypeName="문서" ma:contentTypeID="0x0101001D100452559EB044BE388605CB74258D" ma:contentTypeVersion="3" ma:contentTypeDescription="새 문서를 만듭니다." ma:contentTypeScope="" ma:versionID="cece4e6235a4db8d39d8d638fea72851">
   <xsd:schema xmlns:xsd="http://www.w3.org/2001/XMLSchema" xmlns:xs="http://www.w3.org/2001/XMLSchema" xmlns:p="http://schemas.microsoft.com/office/2006/metadata/properties" xmlns:ns3="98b0916f-e4a7-4c55-83b1-875d2b78f67f" targetNamespace="http://schemas.microsoft.com/office/2006/metadata/properties" ma:root="true" ma:fieldsID="6378c330591d7126ae0349359d00147e" ns3:_="">
     <xsd:import namespace="98b0916f-e4a7-4c55-83b1-875d2b78f67f"/>
@@ -4345,6 +4339,12 @@
 </ct:contentTypeSchema>
 </file>
 
+<file path=customXml/item2.xml><?xml version="1.0" encoding="utf-8"?>
+<p:properties xmlns:p="http://schemas.microsoft.com/office/2006/metadata/properties" xmlns:xsi="http://www.w3.org/2001/XMLSchema-instance" xmlns:pc="http://schemas.microsoft.com/office/infopath/2007/PartnerControls">
+  <documentManagement/>
+</p:properties>
+</file>
+
 <file path=customXml/item3.xml><?xml version="1.0" encoding="utf-8"?>
 <?mso-contentType ?>
 <FormTemplates xmlns="http://schemas.microsoft.com/sharepoint/v3/contenttype/forms">
@@ -4355,22 +4355,6 @@
 </file>
 
 <file path=customXml/itemProps1.xml><?xml version="1.0" encoding="utf-8"?>
-<ds:datastoreItem xmlns:ds="http://schemas.openxmlformats.org/officeDocument/2006/customXml" ds:itemID="{04E61994-E40D-4A68-9927-853208928391}">
-  <ds:schemaRefs>
-    <ds:schemaRef ds:uri="http://purl.org/dc/dcmitype/"/>
-    <ds:schemaRef ds:uri="http://schemas.microsoft.com/office/2006/documentManagement/types"/>
-    <ds:schemaRef ds:uri="http://www.w3.org/XML/1998/namespace"/>
-    <ds:schemaRef ds:uri="http://purl.org/dc/terms/"/>
-    <ds:schemaRef ds:uri="http://schemas.microsoft.com/office/2006/metadata/properties"/>
-    <ds:schemaRef ds:uri="98b0916f-e4a7-4c55-83b1-875d2b78f67f"/>
-    <ds:schemaRef ds:uri="http://schemas.microsoft.com/office/infopath/2007/PartnerControls"/>
-    <ds:schemaRef ds:uri="http://schemas.openxmlformats.org/package/2006/metadata/core-properties"/>
-    <ds:schemaRef ds:uri="http://purl.org/dc/elements/1.1/"/>
-  </ds:schemaRefs>
-</ds:datastoreItem>
-</file>
-
-<file path=customXml/itemProps2.xml><?xml version="1.0" encoding="utf-8"?>
 <ds:datastoreItem xmlns:ds="http://schemas.openxmlformats.org/officeDocument/2006/customXml" ds:itemID="{9B55A3BC-FD9C-4E32-B806-11857434362A}">
   <ds:schemaRefs>
     <ds:schemaRef ds:uri="http://schemas.microsoft.com/office/2006/metadata/contentType"/>
@@ -4388,6 +4372,22 @@
 </ds:datastoreItem>
 </file>
 
+<file path=customXml/itemProps2.xml><?xml version="1.0" encoding="utf-8"?>
+<ds:datastoreItem xmlns:ds="http://schemas.openxmlformats.org/officeDocument/2006/customXml" ds:itemID="{04E61994-E40D-4A68-9927-853208928391}">
+  <ds:schemaRefs>
+    <ds:schemaRef ds:uri="http://purl.org/dc/dcmitype/"/>
+    <ds:schemaRef ds:uri="http://schemas.microsoft.com/office/2006/documentManagement/types"/>
+    <ds:schemaRef ds:uri="http://www.w3.org/XML/1998/namespace"/>
+    <ds:schemaRef ds:uri="http://purl.org/dc/terms/"/>
+    <ds:schemaRef ds:uri="http://schemas.microsoft.com/office/2006/metadata/properties"/>
+    <ds:schemaRef ds:uri="98b0916f-e4a7-4c55-83b1-875d2b78f67f"/>
+    <ds:schemaRef ds:uri="http://schemas.microsoft.com/office/infopath/2007/PartnerControls"/>
+    <ds:schemaRef ds:uri="http://schemas.openxmlformats.org/package/2006/metadata/core-properties"/>
+    <ds:schemaRef ds:uri="http://purl.org/dc/elements/1.1/"/>
+  </ds:schemaRefs>
+</ds:datastoreItem>
+</file>
+
 <file path=customXml/itemProps3.xml><?xml version="1.0" encoding="utf-8"?>
 <ds:datastoreItem xmlns:ds="http://schemas.openxmlformats.org/officeDocument/2006/customXml" ds:itemID="{B83A4207-492F-492F-AC12-D6CB0949B3B3}">
   <ds:schemaRefs>
